--- a/doc/workshop/templateInputs/templating.pptx
+++ b/doc/workshop/templateInputs/templating.pptx
@@ -41294,7 +41294,7 @@
             <a:pPr lvl="1"/>
             <a:r>
               <a:rPr lang="en-US" dirty="0"/>
-              <a:t>We can use Python for this</a:t>
+              <a:t>We can use Python for this (doesn’t have to be Python though!)</a:t>
             </a:r>
           </a:p>
           <a:p>
@@ -45686,6 +45686,13 @@
           </a:p>
           <a:p>
             <a:pPr lvl="1"/>
+            <a:r>
+              <a:rPr lang="en-US" dirty="0"/>
+              <a:t>Extra credit: dynamically choose variables for the plotting!</a:t>
+            </a:r>
+          </a:p>
+          <a:p>
+            <a:pPr lvl="1"/>
             <a:endParaRPr lang="en-US" dirty="0"/>
           </a:p>
           <a:p>
@@ -45745,6 +45752,61 @@
               <a:rPr lang="en-US" sz="1800" dirty="0">
                 <a:latin typeface="Lucida Console" panose="020B0609040504020204" pitchFamily="49" charset="0"/>
               </a:rPr>
+              <a:t>&gt; </a:t>
+            </a:r>
+            <a:r>
+              <a:rPr lang="en-US" sz="1800" dirty="0" err="1">
+                <a:solidFill>
+                  <a:schemeClr val="bg1"/>
+                </a:solidFill>
+                <a:latin typeface="Lucida Console" panose="020B0609040504020204" pitchFamily="49" charset="0"/>
+              </a:rPr>
+              <a:t>bash.exe</a:t>
+            </a:r>
+            <a:endParaRPr lang="en-US" sz="1800" dirty="0">
+              <a:solidFill>
+                <a:schemeClr val="bg1"/>
+              </a:solidFill>
+              <a:latin typeface="Lucida Console" panose="020B0609040504020204" pitchFamily="49" charset="0"/>
+            </a:endParaRPr>
+          </a:p>
+          <a:p>
+            <a:r>
+              <a:rPr lang="en-US" sz="1800" dirty="0">
+                <a:latin typeface="Lucida Console" panose="020B0609040504020204" pitchFamily="49" charset="0"/>
+              </a:rPr>
+              <a:t>&gt;</a:t>
+            </a:r>
+            <a:r>
+              <a:rPr lang="en-US" sz="1800" dirty="0">
+                <a:solidFill>
+                  <a:schemeClr val="bg1"/>
+                </a:solidFill>
+                <a:latin typeface="Lucida Console" panose="020B0609040504020204" pitchFamily="49" charset="0"/>
+              </a:rPr>
+              <a:t> source activate </a:t>
+            </a:r>
+            <a:r>
+              <a:rPr lang="en-US" sz="1800" dirty="0" err="1">
+                <a:solidFill>
+                  <a:schemeClr val="bg1"/>
+                </a:solidFill>
+                <a:latin typeface="Lucida Console" panose="020B0609040504020204" pitchFamily="49" charset="0"/>
+              </a:rPr>
+              <a:t>raven_libraries</a:t>
+            </a:r>
+            <a:endParaRPr lang="en-US" sz="1800" dirty="0">
+              <a:solidFill>
+                <a:schemeClr val="bg1"/>
+              </a:solidFill>
+              <a:latin typeface="Lucida Console" panose="020B0609040504020204" pitchFamily="49" charset="0"/>
+            </a:endParaRPr>
+          </a:p>
+          <a:p>
+            <a:r>
+              <a:rPr lang="en-US" sz="1800" dirty="0">
+                <a:latin typeface="Lucida Console" panose="020B0609040504020204" pitchFamily="49" charset="0"/>
+              </a:rPr>
               <a:t>&gt;</a:t>
             </a:r>
             <a:r>
@@ -45779,11 +45841,6 @@
             </a:endParaRPr>
           </a:p>
           <a:p>
-            <a:endParaRPr lang="en-US" sz="1800" dirty="0">
-              <a:latin typeface="Lucida Console" panose="020B0609040504020204" pitchFamily="49" charset="0"/>
-            </a:endParaRPr>
-          </a:p>
-          <a:p>
             <a:r>
               <a:rPr lang="en-US" sz="1800" dirty="0">
                 <a:latin typeface="Lucida Console" panose="020B0609040504020204" pitchFamily="49" charset="0"/>
@@ -45797,16 +45854,17 @@
                 </a:solidFill>
                 <a:latin typeface="Lucida Console" panose="020B0609040504020204" pitchFamily="49" charset="0"/>
               </a:rPr>
-              <a:t> python 4_template_interface.py my_proj_uq.i</a:t>
-            </a:r>
-            <a:endParaRPr lang="en-US" sz="1800" dirty="0">
-              <a:latin typeface="Lucida Console" panose="020B0609040504020204" pitchFamily="49" charset="0"/>
-            </a:endParaRPr>
-          </a:p>
-          <a:p>
-            <a:pPr marL="0" indent="0">
-              <a:buNone/>
-            </a:pPr>
+              <a:t> python 4_template_interface.py </a:t>
+            </a:r>
+            <a:r>
+              <a:rPr lang="en-US" sz="1800" dirty="0" err="1">
+                <a:solidFill>
+                  <a:schemeClr val="bg1"/>
+                </a:solidFill>
+                <a:latin typeface="Lucida Console" panose="020B0609040504020204" pitchFamily="49" charset="0"/>
+              </a:rPr>
+              <a:t>my_proj_uq.i</a:t>
+            </a:r>
             <a:endParaRPr lang="en-US" sz="1800" dirty="0">
               <a:latin typeface="Lucida Console" panose="020B0609040504020204" pitchFamily="49" charset="0"/>
             </a:endParaRPr>
@@ -46730,7 +46788,7 @@
           <a:lstStyle/>
           <a:p>
             <a:r>
-              <a:rPr lang="en-US" b="0" dirty="0"/>
+              <a:rPr lang="en-US" dirty="0"/>
               <a:t>Template Inputs</a:t>
             </a:r>
           </a:p>
